--- a/trunk/Sweet Candy.pptx
+++ b/trunk/Sweet Candy.pptx
@@ -111,6 +111,22 @@
       </a:defRPr>
     </a:lvl9pPr>
   </p:defaultTextStyle>
+  <p:extLst>
+    <p:ext uri="{EFAFB233-063F-42B5-8137-9DF3F51BA10A}">
+      <p15:sldGuideLst xmlns:p15="http://schemas.microsoft.com/office/powerpoint/2012/main">
+        <p15:guide id="1" orient="horz" pos="2160">
+          <p15:clr>
+            <a:srgbClr val="A4A3A4"/>
+          </p15:clr>
+        </p15:guide>
+        <p15:guide id="2" pos="2880">
+          <p15:clr>
+            <a:srgbClr val="A4A3A4"/>
+          </p15:clr>
+        </p15:guide>
+      </p15:sldGuideLst>
+    </p:ext>
+  </p:extLst>
 </p:presentation>
 </file>
 
@@ -287,7 +303,7 @@
           <a:p>
             <a:fld id="{7E99CE41-B397-44F2-B10B-6367DC2B74C3}" type="datetimeFigureOut">
               <a:rPr lang="fr-FR" smtClean="0"/>
-              <a:t>24/03/2014</a:t>
+              <a:t>25/03/2014</a:t>
             </a:fld>
             <a:endParaRPr lang="fr-FR"/>
           </a:p>
@@ -452,7 +468,7 @@
           <a:p>
             <a:fld id="{7E99CE41-B397-44F2-B10B-6367DC2B74C3}" type="datetimeFigureOut">
               <a:rPr lang="fr-FR" smtClean="0"/>
-              <a:t>24/03/2014</a:t>
+              <a:t>25/03/2014</a:t>
             </a:fld>
             <a:endParaRPr lang="fr-FR"/>
           </a:p>
@@ -627,7 +643,7 @@
           <a:p>
             <a:fld id="{7E99CE41-B397-44F2-B10B-6367DC2B74C3}" type="datetimeFigureOut">
               <a:rPr lang="fr-FR" smtClean="0"/>
-              <a:t>24/03/2014</a:t>
+              <a:t>25/03/2014</a:t>
             </a:fld>
             <a:endParaRPr lang="fr-FR"/>
           </a:p>
@@ -792,7 +808,7 @@
           <a:p>
             <a:fld id="{7E99CE41-B397-44F2-B10B-6367DC2B74C3}" type="datetimeFigureOut">
               <a:rPr lang="fr-FR" smtClean="0"/>
-              <a:t>24/03/2014</a:t>
+              <a:t>25/03/2014</a:t>
             </a:fld>
             <a:endParaRPr lang="fr-FR"/>
           </a:p>
@@ -1034,7 +1050,7 @@
           <a:p>
             <a:fld id="{7E99CE41-B397-44F2-B10B-6367DC2B74C3}" type="datetimeFigureOut">
               <a:rPr lang="fr-FR" smtClean="0"/>
-              <a:t>24/03/2014</a:t>
+              <a:t>25/03/2014</a:t>
             </a:fld>
             <a:endParaRPr lang="fr-FR"/>
           </a:p>
@@ -1298,7 +1314,7 @@
           <a:p>
             <a:fld id="{7E99CE41-B397-44F2-B10B-6367DC2B74C3}" type="datetimeFigureOut">
               <a:rPr lang="fr-FR" smtClean="0"/>
-              <a:t>24/03/2014</a:t>
+              <a:t>25/03/2014</a:t>
             </a:fld>
             <a:endParaRPr lang="fr-FR"/>
           </a:p>
@@ -1676,7 +1692,7 @@
           <a:p>
             <a:fld id="{7E99CE41-B397-44F2-B10B-6367DC2B74C3}" type="datetimeFigureOut">
               <a:rPr lang="fr-FR" smtClean="0"/>
-              <a:t>24/03/2014</a:t>
+              <a:t>25/03/2014</a:t>
             </a:fld>
             <a:endParaRPr lang="fr-FR"/>
           </a:p>
@@ -1826,7 +1842,7 @@
           <a:p>
             <a:fld id="{7E99CE41-B397-44F2-B10B-6367DC2B74C3}" type="datetimeFigureOut">
               <a:rPr lang="fr-FR" smtClean="0"/>
-              <a:t>24/03/2014</a:t>
+              <a:t>25/03/2014</a:t>
             </a:fld>
             <a:endParaRPr lang="fr-FR"/>
           </a:p>
@@ -1916,7 +1932,7 @@
           <a:p>
             <a:fld id="{7E99CE41-B397-44F2-B10B-6367DC2B74C3}" type="datetimeFigureOut">
               <a:rPr lang="fr-FR" smtClean="0"/>
-              <a:t>24/03/2014</a:t>
+              <a:t>25/03/2014</a:t>
             </a:fld>
             <a:endParaRPr lang="fr-FR"/>
           </a:p>
@@ -2177,7 +2193,7 @@
           <a:p>
             <a:fld id="{7E99CE41-B397-44F2-B10B-6367DC2B74C3}" type="datetimeFigureOut">
               <a:rPr lang="fr-FR" smtClean="0"/>
-              <a:t>24/03/2014</a:t>
+              <a:t>25/03/2014</a:t>
             </a:fld>
             <a:endParaRPr lang="fr-FR"/>
           </a:p>
@@ -2465,7 +2481,7 @@
           <a:p>
             <a:fld id="{7E99CE41-B397-44F2-B10B-6367DC2B74C3}" type="datetimeFigureOut">
               <a:rPr lang="fr-FR" smtClean="0"/>
-              <a:t>24/03/2014</a:t>
+              <a:t>25/03/2014</a:t>
             </a:fld>
             <a:endParaRPr lang="fr-FR"/>
           </a:p>
@@ -3236,7 +3252,7 @@
           <a:p>
             <a:fld id="{7E99CE41-B397-44F2-B10B-6367DC2B74C3}" type="datetimeFigureOut">
               <a:rPr lang="fr-FR" smtClean="0"/>
-              <a:t>24/03/2014</a:t>
+              <a:t>25/03/2014</a:t>
             </a:fld>
             <a:endParaRPr lang="fr-FR"/>
           </a:p>
@@ -3983,13 +3999,16 @@
             </a:r>
           </a:p>
           <a:p>
-            <a:endParaRPr lang="fr-FR" dirty="0"/>
-          </a:p>
-          <a:p>
             <a:endParaRPr lang="fr-FR" dirty="0" smtClean="0"/>
           </a:p>
           <a:p>
-            <a:endParaRPr lang="fr-FR" dirty="0"/>
+            <a:endParaRPr lang="fr-FR" dirty="0" smtClean="0"/>
+          </a:p>
+          <a:p>
+            <a:pPr marL="0" indent="0">
+              <a:buNone/>
+            </a:pPr>
+            <a:endParaRPr lang="fr-FR" dirty="0" smtClean="0"/>
           </a:p>
           <a:p>
             <a:r>
@@ -4002,56 +4021,26 @@
       </p:sp>
       <p:pic>
         <p:nvPicPr>
-          <p:cNvPr id="1026" name="Picture 2"/>
+          <p:cNvPr id="6" name="Image 5"/>
           <p:cNvPicPr>
-            <a:picLocks noChangeAspect="1" noChangeArrowheads="1"/>
+            <a:picLocks noChangeAspect="1"/>
           </p:cNvPicPr>
           <p:nvPr/>
         </p:nvPicPr>
         <p:blipFill>
-          <a:blip r:embed="rId2">
-            <a:extLst>
-              <a:ext uri="{28A0092B-C50C-407E-A947-70E740481C1C}">
-                <a14:useLocalDpi xmlns:a14="http://schemas.microsoft.com/office/drawing/2010/main" val="0"/>
-              </a:ext>
-            </a:extLst>
-          </a:blip>
-          <a:srcRect/>
+          <a:blip r:embed="rId2"/>
           <a:stretch>
             <a:fillRect/>
           </a:stretch>
         </p:blipFill>
-        <p:spPr bwMode="auto">
+        <p:spPr>
           <a:xfrm>
-            <a:off x="3779912" y="2003973"/>
-            <a:ext cx="3810000" cy="3810000"/>
+            <a:off x="2967465" y="2201161"/>
+            <a:ext cx="3209070" cy="3857758"/>
           </a:xfrm>
           <a:prstGeom prst="rect">
             <a:avLst/>
           </a:prstGeom>
-          <a:noFill/>
-          <a:ln>
-            <a:noFill/>
-          </a:ln>
-          <a:extLst>
-            <a:ext uri="{909E8E84-426E-40DD-AFC4-6F175D3DCCD1}">
-              <a14:hiddenFill xmlns:a14="http://schemas.microsoft.com/office/drawing/2010/main">
-                <a:solidFill>
-                  <a:schemeClr val="accent1"/>
-                </a:solidFill>
-              </a14:hiddenFill>
-            </a:ext>
-            <a:ext uri="{91240B29-F687-4F45-9708-019B960494DF}">
-              <a14:hiddenLine xmlns:a14="http://schemas.microsoft.com/office/drawing/2010/main" w="9525">
-                <a:solidFill>
-                  <a:schemeClr val="tx1"/>
-                </a:solidFill>
-                <a:miter lim="800000"/>
-                <a:headEnd/>
-                <a:tailEnd/>
-              </a14:hiddenLine>
-            </a:ext>
-          </a:extLst>
         </p:spPr>
       </p:pic>
     </p:spTree>
@@ -4274,6 +4263,13 @@
   <p:clrMapOvr>
     <a:masterClrMapping/>
   </p:clrMapOvr>
+  <p:timing>
+    <p:tnLst>
+      <p:par>
+        <p:cTn id="1" dur="indefinite" restart="never" nodeType="tmRoot"/>
+      </p:par>
+    </p:tnLst>
+  </p:timing>
 </p:sld>
 </file>
 
@@ -4366,18 +4362,18 @@
             <a:pPr lvl="1"/>
             <a:r>
               <a:rPr lang="fr-FR" dirty="0" smtClean="0"/>
-              <a:t>Bonbons bonus</a:t>
+              <a:t>Bonbons </a:t>
+            </a:r>
+            <a:r>
+              <a:rPr lang="fr-FR" dirty="0" smtClean="0"/>
+              <a:t>bonus</a:t>
             </a:r>
           </a:p>
           <a:p>
             <a:pPr lvl="1"/>
             <a:r>
               <a:rPr lang="fr-FR" dirty="0" smtClean="0"/>
-              <a:t>Vérification des </a:t>
-            </a:r>
-            <a:r>
-              <a:rPr lang="fr-FR" dirty="0" err="1" smtClean="0"/>
-              <a:t>coupPossibles</a:t>
+              <a:t>Combo de bonbons bonus</a:t>
             </a:r>
             <a:endParaRPr lang="fr-FR" dirty="0" smtClean="0"/>
           </a:p>
@@ -4385,7 +4381,29 @@
             <a:pPr lvl="1"/>
             <a:r>
               <a:rPr lang="fr-FR" dirty="0" smtClean="0"/>
-              <a:t>??</a:t>
+              <a:t>Vérification des coup possibles</a:t>
+            </a:r>
+          </a:p>
+          <a:p>
+            <a:pPr lvl="1"/>
+            <a:r>
+              <a:rPr lang="fr-FR" dirty="0" smtClean="0"/>
+              <a:t>Animations</a:t>
+            </a:r>
+          </a:p>
+          <a:p>
+            <a:pPr lvl="1"/>
+            <a:r>
+              <a:rPr lang="fr-FR" dirty="0" smtClean="0"/>
+              <a:t>Fenêtre e</a:t>
+            </a:r>
+            <a:r>
+              <a:rPr lang="fr-FR" dirty="0" smtClean="0"/>
+              <a:t>ntièrement </a:t>
+            </a:r>
+            <a:r>
+              <a:rPr lang="fr-FR" dirty="0" smtClean="0"/>
+              <a:t>redimensionnable</a:t>
             </a:r>
           </a:p>
         </p:txBody>
@@ -4400,6 +4418,13 @@
   <p:clrMapOvr>
     <a:masterClrMapping/>
   </p:clrMapOvr>
+  <p:timing>
+    <p:tnLst>
+      <p:par>
+        <p:cTn id="1" dur="indefinite" restart="never" nodeType="tmRoot"/>
+      </p:par>
+    </p:tnLst>
+  </p:timing>
 </p:sld>
 </file>
 
@@ -4462,19 +4487,41 @@
           <a:p>
             <a:r>
               <a:rPr lang="fr-FR" dirty="0" smtClean="0"/>
-              <a:t>Case fin -&gt; items à faire tomber</a:t>
-            </a:r>
-          </a:p>
-          <a:p>
+              <a:t>Possibilité d’ajout d’items à faire tomber</a:t>
+            </a:r>
+          </a:p>
+          <a:p>
+            <a:r>
+              <a:rPr lang="fr-FR" dirty="0" smtClean="0"/>
+              <a:t>Sauvegarde </a:t>
+            </a:r>
+            <a:r>
+              <a:rPr lang="fr-FR" dirty="0" smtClean="0"/>
+              <a:t>des scores</a:t>
+            </a:r>
+          </a:p>
+          <a:p>
+            <a:r>
+              <a:rPr lang="fr-FR" dirty="0" smtClean="0"/>
+              <a:t>Accès au niveau 2 seulement si le niveau 1 est réussi</a:t>
+            </a:r>
             <a:endParaRPr lang="fr-FR" dirty="0"/>
           </a:p>
           <a:p>
             <a:r>
               <a:rPr lang="fr-FR" dirty="0" smtClean="0"/>
-              <a:t>Ajout de niveaux simplifiés par le système de fichiers</a:t>
-            </a:r>
-          </a:p>
-          <a:p>
+              <a:t>Ajout de </a:t>
+            </a:r>
+            <a:r>
+              <a:rPr lang="fr-FR" dirty="0" smtClean="0"/>
+              <a:t>niveaux</a:t>
+            </a:r>
+          </a:p>
+          <a:p>
+            <a:r>
+              <a:rPr lang="fr-FR" dirty="0" smtClean="0"/>
+              <a:t>Ajout d’une musique entêtante</a:t>
+            </a:r>
             <a:endParaRPr lang="fr-FR" dirty="0"/>
           </a:p>
           <a:p>
@@ -4492,6 +4539,13 @@
   <p:clrMapOvr>
     <a:masterClrMapping/>
   </p:clrMapOvr>
+  <p:timing>
+    <p:tnLst>
+      <p:par>
+        <p:cTn id="1" dur="indefinite" restart="never" nodeType="tmRoot"/>
+      </p:par>
+    </p:tnLst>
+  </p:timing>
 </p:sld>
 </file>
 
@@ -4552,7 +4606,43 @@
           <a:p>
             <a:r>
               <a:rPr lang="fr-FR" dirty="0" smtClean="0"/>
-              <a:t>???</a:t>
+              <a:t>Prendre en compte tous les cas possibles</a:t>
+            </a:r>
+          </a:p>
+          <a:p>
+            <a:r>
+              <a:rPr lang="fr-FR" dirty="0" smtClean="0"/>
+              <a:t>Documentation </a:t>
+            </a:r>
+            <a:r>
+              <a:rPr lang="fr-FR" dirty="0" err="1" smtClean="0"/>
+              <a:t>Qt</a:t>
+            </a:r>
+            <a:r>
+              <a:rPr lang="fr-FR" dirty="0" smtClean="0"/>
+              <a:t> à propos de </a:t>
+            </a:r>
+            <a:r>
+              <a:rPr lang="fr-FR" dirty="0" err="1" smtClean="0"/>
+              <a:t>Qt</a:t>
+            </a:r>
+            <a:r>
+              <a:rPr lang="fr-FR" dirty="0" smtClean="0"/>
+              <a:t> Quick peut mises à jour</a:t>
+            </a:r>
+          </a:p>
+          <a:p>
+            <a:r>
+              <a:rPr lang="fr-FR" dirty="0" smtClean="0"/>
+              <a:t>Liaison de </a:t>
+            </a:r>
+            <a:r>
+              <a:rPr lang="fr-FR" dirty="0" err="1" smtClean="0"/>
+              <a:t>Qt</a:t>
+            </a:r>
+            <a:r>
+              <a:rPr lang="fr-FR" dirty="0" smtClean="0"/>
+              <a:t> Quick et C++</a:t>
             </a:r>
             <a:endParaRPr lang="fr-FR" dirty="0"/>
           </a:p>
@@ -4568,6 +4658,13 @@
   <p:clrMapOvr>
     <a:masterClrMapping/>
   </p:clrMapOvr>
+  <p:timing>
+    <p:tnLst>
+      <p:par>
+        <p:cTn id="1" dur="indefinite" restart="never" nodeType="tmRoot"/>
+      </p:par>
+    </p:tnLst>
+  </p:timing>
 </p:sld>
 </file>
 
@@ -4626,10 +4723,42 @@
           <a:bodyPr/>
           <a:lstStyle/>
           <a:p>
-            <a:endParaRPr lang="fr-FR" dirty="0"/>
-          </a:p>
-          <a:p>
-            <a:endParaRPr lang="fr-FR" dirty="0"/>
+            <a:r>
+              <a:rPr lang="fr-FR" dirty="0" smtClean="0"/>
+              <a:t>Prise </a:t>
+            </a:r>
+            <a:r>
+              <a:rPr lang="fr-FR" dirty="0" smtClean="0"/>
+              <a:t>en main du SVN</a:t>
+            </a:r>
+          </a:p>
+          <a:p>
+            <a:r>
+              <a:rPr lang="fr-FR" dirty="0" smtClean="0"/>
+              <a:t>Gestion </a:t>
+            </a:r>
+            <a:r>
+              <a:rPr lang="fr-FR" dirty="0" smtClean="0"/>
+              <a:t>d’un </a:t>
+            </a:r>
+            <a:r>
+              <a:rPr lang="fr-FR" dirty="0" smtClean="0"/>
+              <a:t>projet en groupe</a:t>
+            </a:r>
+          </a:p>
+          <a:p>
+            <a:r>
+              <a:rPr lang="fr-FR" dirty="0" smtClean="0"/>
+              <a:t>Apprentissage de </a:t>
+            </a:r>
+            <a:r>
+              <a:rPr lang="fr-FR" dirty="0" err="1" smtClean="0"/>
+              <a:t>Qt</a:t>
+            </a:r>
+            <a:r>
+              <a:rPr lang="fr-FR" dirty="0" smtClean="0"/>
+              <a:t> Quick</a:t>
+            </a:r>
           </a:p>
         </p:txBody>
       </p:sp>
@@ -4643,6 +4772,13 @@
   <p:clrMapOvr>
     <a:masterClrMapping/>
   </p:clrMapOvr>
+  <p:timing>
+    <p:tnLst>
+      <p:par>
+        <p:cTn id="1" dur="indefinite" restart="never" nodeType="tmRoot"/>
+      </p:par>
+    </p:tnLst>
+  </p:timing>
 </p:sld>
 </file>
 
